--- a/presentation-source/02-soap-wsdl.pptx
+++ b/presentation-source/02-soap-wsdl.pptx
@@ -181,7 +181,7 @@
           <a:lstStyle>
             <a:lvl1pPr algn="l">
               <a:defRPr sz="1200">
-                <a:latin typeface="Calisto MT"/>
+                <a:latin typeface="Montserrat"/>
               </a:defRPr>
             </a:lvl1pPr>
           </a:lstStyle>
@@ -214,7 +214,7 @@
           <a:lstStyle>
             <a:lvl1pPr algn="r">
               <a:defRPr sz="1200">
-                <a:latin typeface="Calisto MT"/>
+                <a:latin typeface="Montserrat"/>
               </a:defRPr>
             </a:lvl1pPr>
           </a:lstStyle>
@@ -345,7 +345,7 @@
           <a:lstStyle>
             <a:lvl1pPr algn="l">
               <a:defRPr sz="1200">
-                <a:latin typeface="Calisto MT"/>
+                <a:latin typeface="Montserrat"/>
               </a:defRPr>
             </a:lvl1pPr>
           </a:lstStyle>
@@ -378,7 +378,7 @@
           <a:lstStyle>
             <a:lvl1pPr algn="r">
               <a:defRPr sz="1200">
-                <a:latin typeface="Calisto MT"/>
+                <a:latin typeface="Montserrat"/>
               </a:defRPr>
             </a:lvl1pPr>
           </a:lstStyle>
@@ -406,7 +406,7 @@
         <a:solidFill>
           <a:schemeClr val="tx1"/>
         </a:solidFill>
-        <a:latin typeface="Calisto MT"/>
+        <a:latin typeface="Montserrat"/>
         <a:ea typeface="+mn-ea"/>
         <a:cs typeface="+mn-cs"/>
       </a:defRPr>
@@ -416,7 +416,7 @@
         <a:solidFill>
           <a:schemeClr val="tx1"/>
         </a:solidFill>
-        <a:latin typeface="Calisto MT"/>
+        <a:latin typeface="Montserrat"/>
         <a:ea typeface="+mn-ea"/>
         <a:cs typeface="+mn-cs"/>
       </a:defRPr>
@@ -426,7 +426,7 @@
         <a:solidFill>
           <a:schemeClr val="tx1"/>
         </a:solidFill>
-        <a:latin typeface="Calisto MT"/>
+        <a:latin typeface="Montserrat"/>
         <a:ea typeface="+mn-ea"/>
         <a:cs typeface="+mn-cs"/>
       </a:defRPr>
@@ -436,7 +436,7 @@
         <a:solidFill>
           <a:schemeClr val="tx1"/>
         </a:solidFill>
-        <a:latin typeface="Calisto MT"/>
+        <a:latin typeface="Montserrat"/>
         <a:ea typeface="+mn-ea"/>
         <a:cs typeface="+mn-cs"/>
       </a:defRPr>
@@ -446,7 +446,7 @@
         <a:solidFill>
           <a:schemeClr val="tx1"/>
         </a:solidFill>
-        <a:latin typeface="Calisto MT"/>
+        <a:latin typeface="Montserrat"/>
         <a:ea typeface="+mn-ea"/>
         <a:cs typeface="+mn-cs"/>
       </a:defRPr>
@@ -5642,7 +5642,7 @@
       </p:sp>
       <p:sp>
         <p:nvSpPr>
-          <p:cNvPr id="21" name="TextBox 20"/>
+          <p:cNvPr id="6" name="TextBox 5"/>
           <p:cNvSpPr txBox="1">
             <a:spLocks noChangeArrowheads="1"/>
           </p:cNvSpPr>
@@ -5650,8 +5650,8 @@
         </p:nvSpPr>
         <p:spPr bwMode="auto">
           <a:xfrm>
-            <a:off x="1046163" y="6092834"/>
-            <a:ext cx="6327373" cy="707886"/>
+            <a:off x="1168930" y="6344711"/>
+            <a:ext cx="4942379" cy="415498"/>
           </a:xfrm>
           <a:prstGeom prst="rect">
             <a:avLst/>
@@ -5823,8 +5823,22 @@
               <a:defRPr/>
             </a:pPr>
             <a:r>
-              <a:rPr lang="en-US" sz="1000" dirty="0" smtClean="0"/>
-              <a:t>© Paul Fremantle 2012.  Portions © Jeremy Gibbons 2010, © WSO2 2005-2012 used with permission of the author(s).</a:t>
+              <a:rPr lang="en-US" sz="700" dirty="0" smtClean="0">
+                <a:latin typeface="Montserrat"/>
+              </a:rPr>
+              <a:t>© Paul Fremantle </a:t>
+            </a:r>
+            <a:r>
+              <a:rPr lang="en-US" sz="700" dirty="0" smtClean="0">
+                <a:latin typeface="Montserrat"/>
+              </a:rPr>
+              <a:t>2016 except where credited elsewhere. </a:t>
+            </a:r>
+            <a:r>
+              <a:rPr lang="en-US" sz="700" dirty="0" smtClean="0">
+                <a:latin typeface="Montserrat"/>
+              </a:rPr>
+              <a:t> This work is licensed under a Creative Commons</a:t>
             </a:r>
           </a:p>
           <a:p>
@@ -5832,97 +5846,84 @@
               <a:defRPr/>
             </a:pPr>
             <a:r>
-              <a:rPr lang="en-US" sz="1000" dirty="0" smtClean="0"/>
-              <a:t>Licensed under the Creative Commons 3.0 BY-SA (Attribution-</a:t>
-            </a:r>
-            <a:r>
-              <a:rPr lang="en-US" sz="1000" dirty="0" err="1" smtClean="0"/>
-              <a:t>Sharealike</a:t>
-            </a:r>
-            <a:r>
-              <a:rPr lang="en-US" sz="1000" dirty="0" smtClean="0"/>
-              <a:t>) license.</a:t>
-            </a:r>
-          </a:p>
-          <a:p>
-            <a:pPr algn="l" eaLnBrk="1" hangingPunct="1">
-              <a:defRPr/>
-            </a:pPr>
-            <a:r>
-              <a:rPr lang="en-US" sz="1000" dirty="0" smtClean="0"/>
-              <a:t>See </a:t>
-            </a:r>
-            <a:r>
-              <a:rPr lang="en-US" sz="1000" dirty="0" smtClean="0">
+              <a:rPr lang="en-US" sz="700" dirty="0" smtClean="0">
+                <a:latin typeface="Montserrat"/>
+              </a:rPr>
+              <a:t> Attribution-</a:t>
+            </a:r>
+            <a:r>
+              <a:rPr lang="en-US" sz="700" dirty="0" err="1" smtClean="0">
+                <a:latin typeface="Montserrat"/>
+              </a:rPr>
+              <a:t>NonCommercial</a:t>
+            </a:r>
+            <a:r>
+              <a:rPr lang="en-US" sz="700" dirty="0" smtClean="0">
+                <a:latin typeface="Montserrat"/>
+              </a:rPr>
+              <a:t>-</a:t>
+            </a:r>
+            <a:r>
+              <a:rPr lang="en-US" sz="700" dirty="0" err="1" smtClean="0">
+                <a:latin typeface="Montserrat"/>
+              </a:rPr>
+              <a:t>ShareAlike</a:t>
+            </a:r>
+            <a:r>
+              <a:rPr lang="en-US" sz="700" dirty="0" smtClean="0">
+                <a:latin typeface="Montserrat"/>
+              </a:rPr>
+              <a:t> 4.0 International License</a:t>
+            </a:r>
+            <a:br>
+              <a:rPr lang="en-US" sz="700" dirty="0" smtClean="0">
+                <a:latin typeface="Montserrat"/>
+              </a:rPr>
+            </a:br>
+            <a:r>
+              <a:rPr lang="en-US" sz="700" dirty="0" smtClean="0">
+                <a:latin typeface="Montserrat"/>
+              </a:rPr>
+              <a:t>See  </a:t>
+            </a:r>
+            <a:r>
+              <a:rPr lang="en-US" sz="700" dirty="0" smtClean="0">
+                <a:latin typeface="Montserrat"/>
                 <a:hlinkClick r:id="rId13"/>
               </a:rPr>
-              <a:t>http://creativecommons.org/licenses/by-sa/3.0/</a:t>
-            </a:r>
-            <a:r>
-              <a:rPr lang="en-US" sz="1000" dirty="0" smtClean="0"/>
+              <a:t>http://creativecommons.org/licenses/by-nc-sa/4.0/</a:t>
+            </a:r>
+            <a:r>
+              <a:rPr lang="en-US" sz="700" dirty="0" smtClean="0">
+                <a:latin typeface="Montserrat"/>
+              </a:rPr>
               <a:t> </a:t>
             </a:r>
-          </a:p>
-          <a:p>
-            <a:pPr algn="l" eaLnBrk="1" hangingPunct="1">
-              <a:defRPr/>
-            </a:pPr>
-            <a:endParaRPr lang="en-US" sz="1000" dirty="0" smtClean="0"/>
           </a:p>
         </p:txBody>
       </p:sp>
       <p:pic>
         <p:nvPicPr>
-          <p:cNvPr id="24" name="Picture 23"/>
+          <p:cNvPr id="7" name="Picture 6"/>
           <p:cNvPicPr>
-            <a:picLocks noChangeAspect="1" noChangeArrowheads="1"/>
+            <a:picLocks noChangeAspect="1"/>
           </p:cNvPicPr>
           <p:nvPr userDrawn="1"/>
         </p:nvPicPr>
         <p:blipFill>
-          <a:blip r:embed="rId14">
-            <a:extLst>
-              <a:ext uri="{28A0092B-C50C-407E-A947-70E740481C1C}">
-                <a14:useLocalDpi xmlns:a14="http://schemas.microsoft.com/office/drawing/2010/main" val="0"/>
-              </a:ext>
-            </a:extLst>
-          </a:blip>
-          <a:srcRect/>
+          <a:blip r:embed="rId14"/>
           <a:stretch>
             <a:fillRect/>
           </a:stretch>
         </p:blipFill>
-        <p:spPr bwMode="auto">
-          <a:xfrm>
-            <a:off x="320764" y="6254746"/>
-            <a:ext cx="725399" cy="258097"/>
+        <p:spPr>
+          <a:xfrm>
+            <a:off x="375635" y="6428175"/>
+            <a:ext cx="792765" cy="279269"/>
           </a:xfrm>
           <a:prstGeom prst="rect">
             <a:avLst/>
           </a:prstGeom>
-          <a:noFill/>
-          <a:ln>
-            <a:noFill/>
-          </a:ln>
-          <a:extLst>
-            <a:ext uri="{909E8E84-426E-40dd-AFC4-6F175D3DCCD1}">
-              <a14:hiddenFill xmlns:a14="http://schemas.microsoft.com/office/drawing/2010/main">
-                <a:solidFill>
-                  <a:srgbClr val="FFFFFF"/>
-                </a:solidFill>
-              </a14:hiddenFill>
-            </a:ext>
-            <a:ext uri="{91240B29-F687-4f45-9708-019B960494DF}">
-              <a14:hiddenLine xmlns:a14="http://schemas.microsoft.com/office/drawing/2010/main" w="9525">
-                <a:solidFill>
-                  <a:srgbClr val="000000"/>
-                </a:solidFill>
-                <a:miter lim="800000"/>
-                <a:headEnd/>
-                <a:tailEnd/>
-              </a14:hiddenLine>
-            </a:ext>
-          </a:extLst>
         </p:spPr>
       </p:pic>
     </p:spTree>
@@ -5957,7 +5958,7 @@
           <a:solidFill>
             <a:schemeClr val="tx1"/>
           </a:solidFill>
-          <a:latin typeface="Calisto MT"/>
+          <a:latin typeface="Montserrat"/>
           <a:ea typeface="+mj-ea"/>
           <a:cs typeface="+mj-cs"/>
         </a:defRPr>
@@ -5974,7 +5975,7 @@
           <a:solidFill>
             <a:schemeClr val="tx1"/>
           </a:solidFill>
-          <a:latin typeface="Calisto MT"/>
+          <a:latin typeface="Montserrat"/>
           <a:ea typeface="+mn-ea"/>
           <a:cs typeface="+mn-cs"/>
         </a:defRPr>
@@ -5989,7 +5990,7 @@
           <a:solidFill>
             <a:schemeClr val="tx1"/>
           </a:solidFill>
-          <a:latin typeface="Calisto MT"/>
+          <a:latin typeface="Montserrat"/>
           <a:ea typeface="+mn-ea"/>
           <a:cs typeface="+mn-cs"/>
         </a:defRPr>
@@ -6004,7 +6005,7 @@
           <a:solidFill>
             <a:schemeClr val="tx1"/>
           </a:solidFill>
-          <a:latin typeface="Calisto MT"/>
+          <a:latin typeface="Montserrat"/>
           <a:ea typeface="+mn-ea"/>
           <a:cs typeface="+mn-cs"/>
         </a:defRPr>
@@ -6019,7 +6020,7 @@
           <a:solidFill>
             <a:schemeClr val="tx1"/>
           </a:solidFill>
-          <a:latin typeface="Calisto MT"/>
+          <a:latin typeface="Montserrat"/>
           <a:ea typeface="+mn-ea"/>
           <a:cs typeface="+mn-cs"/>
         </a:defRPr>
@@ -6034,7 +6035,7 @@
           <a:solidFill>
             <a:schemeClr val="tx1"/>
           </a:solidFill>
-          <a:latin typeface="Calisto MT"/>
+          <a:latin typeface="Montserrat"/>
           <a:ea typeface="+mn-ea"/>
           <a:cs typeface="+mn-cs"/>
         </a:defRPr>
@@ -6233,11 +6234,7 @@
           <a:p>
             <a:r>
               <a:rPr lang="en-US" dirty="0" smtClean="0"/>
-              <a:t>Web Services, WS-*, SOAP, WSDL, </a:t>
-            </a:r>
-            <a:r>
-              <a:rPr lang="en-US" dirty="0" err="1" smtClean="0"/>
-              <a:t>etc</a:t>
+              <a:t>SOAP and WSDL</a:t>
             </a:r>
             <a:endParaRPr lang="en-US" dirty="0"/>
           </a:p>
@@ -6255,7 +6252,9 @@
         </p:nvSpPr>
         <p:spPr/>
         <p:txBody>
-          <a:bodyPr/>
+          <a:bodyPr>
+            <a:normAutofit fontScale="92500" lnSpcReduction="20000"/>
+          </a:bodyPr>
           <a:lstStyle/>
           <a:p>
             <a:r>
@@ -6952,7 +6951,7 @@
           <a:graphicData uri="http://schemas.openxmlformats.org/presentationml/2006/ole">
             <mc:AlternateContent xmlns:mc="http://schemas.openxmlformats.org/markup-compatibility/2006">
               <mc:Choice xmlns:v="urn:schemas-microsoft-com:vml" Requires="v">
-                <p:oleObj spid="_x0000_s44054" name="Bitmap Image" r:id="rId4" imgW="7954485" imgH="3677163" progId="Paint.Picture">
+                <p:oleObj spid="_x0000_s44059" name="Bitmap Image" r:id="rId4" imgW="7954485" imgH="3677163" progId="Paint.Picture">
                   <p:embed/>
                 </p:oleObj>
               </mc:Choice>
@@ -7073,7 +7072,7 @@
           <a:graphicData uri="http://schemas.openxmlformats.org/presentationml/2006/ole">
             <mc:AlternateContent xmlns:mc="http://schemas.openxmlformats.org/markup-compatibility/2006">
               <mc:Choice xmlns:v="urn:schemas-microsoft-com:vml" Requires="v">
-                <p:oleObj spid="_x0000_s46102" name="Bitmap Image" r:id="rId4" imgW="8952381" imgH="4086795" progId="Paint.Picture">
+                <p:oleObj spid="_x0000_s46107" name="Bitmap Image" r:id="rId4" imgW="8952381" imgH="4086795" progId="Paint.Picture">
                   <p:embed/>
                 </p:oleObj>
               </mc:Choice>
@@ -7787,10 +7786,24 @@
           <a:p>
             <a:r>
               <a:rPr lang="en-US" dirty="0" smtClean="0"/>
-              <a:t>SOAP examples</a:t>
-            </a:r>
-          </a:p>
-          <a:p>
+              <a:t>SOAP </a:t>
+            </a:r>
+            <a:r>
+              <a:rPr lang="en-US" dirty="0" smtClean="0"/>
+              <a:t>examples</a:t>
+            </a:r>
+          </a:p>
+          <a:p>
+            <a:r>
+              <a:rPr lang="en-US" smtClean="0"/>
+              <a:t>WSDL</a:t>
+            </a:r>
+            <a:endParaRPr lang="en-US" dirty="0" smtClean="0"/>
+          </a:p>
+          <a:p>
+            <a:pPr marL="0" indent="0">
+              <a:buNone/>
+            </a:pPr>
             <a:endParaRPr lang="en-US" dirty="0"/>
           </a:p>
         </p:txBody>
@@ -7870,7 +7883,7 @@
           <a:graphicData uri="http://schemas.openxmlformats.org/presentationml/2006/ole">
             <mc:AlternateContent xmlns:mc="http://schemas.openxmlformats.org/markup-compatibility/2006">
               <mc:Choice xmlns:v="urn:schemas-microsoft-com:vml" Requires="v">
-                <p:oleObj spid="_x0000_s54294" name="Bitmap Image" r:id="rId4" imgW="7466667" imgH="2991268" progId="Paint.Picture">
+                <p:oleObj spid="_x0000_s54299" name="Bitmap Image" r:id="rId4" imgW="7466667" imgH="2991268" progId="Paint.Picture">
                   <p:embed/>
                 </p:oleObj>
               </mc:Choice>
@@ -10042,7 +10055,7 @@
           <a:graphicData uri="http://schemas.openxmlformats.org/presentationml/2006/ole">
             <mc:AlternateContent xmlns:mc="http://schemas.openxmlformats.org/markup-compatibility/2006">
               <mc:Choice xmlns:v="urn:schemas-microsoft-com:vml" Requires="v">
-                <p:oleObj spid="_x0000_s1074" name="Bitmap Image" r:id="rId8" imgW="980952" imgH="542857" progId="Paint.Picture">
+                <p:oleObj spid="_x0000_s1087" name="Bitmap Image" r:id="rId8" imgW="980952" imgH="542857" progId="Paint.Picture">
                   <p:embed/>
                 </p:oleObj>
               </mc:Choice>
@@ -10335,7 +10348,7 @@
           <a:graphicData uri="http://schemas.openxmlformats.org/presentationml/2006/ole">
             <mc:AlternateContent xmlns:mc="http://schemas.openxmlformats.org/markup-compatibility/2006">
               <mc:Choice xmlns:v="urn:schemas-microsoft-com:vml" Requires="v">
-                <p:oleObj spid="_x0000_s1075" name="Bitmap Image" r:id="rId13" imgW="885949" imgH="380852" progId="Paint.Picture">
+                <p:oleObj spid="_x0000_s1088" name="Bitmap Image" r:id="rId13" imgW="885949" imgH="380852" progId="Paint.Picture">
                   <p:embed/>
                 </p:oleObj>
               </mc:Choice>
@@ -10502,7 +10515,7 @@
           <a:graphicData uri="http://schemas.openxmlformats.org/presentationml/2006/ole">
             <mc:AlternateContent xmlns:mc="http://schemas.openxmlformats.org/markup-compatibility/2006">
               <mc:Choice xmlns:v="urn:schemas-microsoft-com:vml" Requires="v">
-                <p:oleObj spid="_x0000_s1076" name="Bitmap Image" r:id="rId16" imgW="25400" imgH="25400" progId="Paint.Picture">
+                <p:oleObj spid="_x0000_s1089" name="Bitmap Image" r:id="rId16" imgW="25400" imgH="25400" progId="Paint.Picture">
                   <p:embed/>
                 </p:oleObj>
               </mc:Choice>

--- a/presentation-source/02-soap-wsdl.pptx
+++ b/presentation-source/02-soap-wsdl.pptx
@@ -222,7 +222,7 @@
             <a:fld id="{7307762F-A706-E543-A832-3C298AA3103F}" type="datetimeFigureOut">
               <a:rPr lang="en-US" smtClean="0"/>
               <a:pPr/>
-              <a:t>10/06/16</a:t>
+              <a:t>07/05/17</a:t>
             </a:fld>
             <a:endParaRPr lang="en-US" dirty="0"/>
           </a:p>
@@ -3181,7 +3181,7 @@
           <a:p>
             <a:fld id="{875CF0EB-321F-0749-B37A-89BBA859503C}" type="datetimeFigureOut">
               <a:rPr lang="en-US" smtClean="0"/>
-              <a:t>10/06/16</a:t>
+              <a:t>07/05/17</a:t>
             </a:fld>
             <a:endParaRPr lang="en-US"/>
           </a:p>
@@ -3385,7 +3385,7 @@
           <a:p>
             <a:fld id="{875CF0EB-321F-0749-B37A-89BBA859503C}" type="datetimeFigureOut">
               <a:rPr lang="en-US" smtClean="0"/>
-              <a:t>10/06/16</a:t>
+              <a:t>07/05/17</a:t>
             </a:fld>
             <a:endParaRPr lang="en-US"/>
           </a:p>
@@ -3579,7 +3579,7 @@
           <a:p>
             <a:fld id="{875CF0EB-321F-0749-B37A-89BBA859503C}" type="datetimeFigureOut">
               <a:rPr lang="en-US" smtClean="0"/>
-              <a:t>10/06/16</a:t>
+              <a:t>07/05/17</a:t>
             </a:fld>
             <a:endParaRPr lang="en-US"/>
           </a:p>
@@ -3849,7 +3849,7 @@
           <a:p>
             <a:fld id="{875CF0EB-321F-0749-B37A-89BBA859503C}" type="datetimeFigureOut">
               <a:rPr lang="en-US" smtClean="0"/>
-              <a:t>10/06/16</a:t>
+              <a:t>07/05/17</a:t>
             </a:fld>
             <a:endParaRPr lang="en-US"/>
           </a:p>
@@ -4161,7 +4161,7 @@
           <a:p>
             <a:fld id="{875CF0EB-321F-0749-B37A-89BBA859503C}" type="datetimeFigureOut">
               <a:rPr lang="en-US" smtClean="0"/>
-              <a:t>10/06/16</a:t>
+              <a:t>07/05/17</a:t>
             </a:fld>
             <a:endParaRPr lang="en-US"/>
           </a:p>
@@ -4607,7 +4607,7 @@
           <a:p>
             <a:fld id="{875CF0EB-321F-0749-B37A-89BBA859503C}" type="datetimeFigureOut">
               <a:rPr lang="en-US" smtClean="0"/>
-              <a:t>10/06/16</a:t>
+              <a:t>07/05/17</a:t>
             </a:fld>
             <a:endParaRPr lang="en-US"/>
           </a:p>
@@ -4749,7 +4749,7 @@
           <a:p>
             <a:fld id="{875CF0EB-321F-0749-B37A-89BBA859503C}" type="datetimeFigureOut">
               <a:rPr lang="en-US" smtClean="0"/>
-              <a:t>10/06/16</a:t>
+              <a:t>07/05/17</a:t>
             </a:fld>
             <a:endParaRPr lang="en-US"/>
           </a:p>
@@ -4868,7 +4868,7 @@
           <a:p>
             <a:fld id="{875CF0EB-321F-0749-B37A-89BBA859503C}" type="datetimeFigureOut">
               <a:rPr lang="en-US" smtClean="0"/>
-              <a:t>10/06/16</a:t>
+              <a:t>07/05/17</a:t>
             </a:fld>
             <a:endParaRPr lang="en-US"/>
           </a:p>
@@ -5169,7 +5169,7 @@
           <a:p>
             <a:fld id="{875CF0EB-321F-0749-B37A-89BBA859503C}" type="datetimeFigureOut">
               <a:rPr lang="en-US" smtClean="0"/>
-              <a:t>10/06/16</a:t>
+              <a:t>07/05/17</a:t>
             </a:fld>
             <a:endParaRPr lang="en-US"/>
           </a:p>
@@ -5446,7 +5446,7 @@
           <a:p>
             <a:fld id="{875CF0EB-321F-0749-B37A-89BBA859503C}" type="datetimeFigureOut">
               <a:rPr lang="en-US" smtClean="0"/>
-              <a:t>10/06/16</a:t>
+              <a:t>07/05/17</a:t>
             </a:fld>
             <a:endParaRPr lang="en-US"/>
           </a:p>
@@ -5826,19 +5826,7 @@
               <a:rPr lang="en-US" sz="700" dirty="0" smtClean="0">
                 <a:latin typeface="Montserrat"/>
               </a:rPr>
-              <a:t>© Paul Fremantle </a:t>
-            </a:r>
-            <a:r>
-              <a:rPr lang="en-US" sz="700" dirty="0" smtClean="0">
-                <a:latin typeface="Montserrat"/>
-              </a:rPr>
-              <a:t>2016 except where credited elsewhere. </a:t>
-            </a:r>
-            <a:r>
-              <a:rPr lang="en-US" sz="700" dirty="0" smtClean="0">
-                <a:latin typeface="Montserrat"/>
-              </a:rPr>
-              <a:t> This work is licensed under a Creative Commons</a:t>
+              <a:t>© Paul Fremantle 2016 except where credited elsewhere.  This work is licensed under a Creative Commons</a:t>
             </a:r>
           </a:p>
           <a:p>
@@ -6276,11 +6264,11 @@
           </a:p>
           <a:p>
             <a:r>
-              <a:rPr lang="en-US" dirty="0" smtClean="0">
+              <a:rPr lang="en-US" smtClean="0">
                 <a:ea typeface="ヒラギノ角ゴ ProN W3" charset="0"/>
                 <a:cs typeface="ヒラギノ角ゴ ProN W3" charset="0"/>
               </a:rPr>
-              <a:t>June 2016</a:t>
+              <a:t>May 2017</a:t>
             </a:r>
             <a:endParaRPr lang="en-US" dirty="0">
               <a:ea typeface="ヒラギノ角ゴ ProN W3" charset="0"/>
@@ -6951,7 +6939,7 @@
           <a:graphicData uri="http://schemas.openxmlformats.org/presentationml/2006/ole">
             <mc:AlternateContent xmlns:mc="http://schemas.openxmlformats.org/markup-compatibility/2006">
               <mc:Choice xmlns:v="urn:schemas-microsoft-com:vml" Requires="v">
-                <p:oleObj spid="_x0000_s44059" name="Bitmap Image" r:id="rId4" imgW="7954485" imgH="3677163" progId="Paint.Picture">
+                <p:oleObj spid="_x0000_s44061" name="Bitmap Image" r:id="rId4" imgW="7954485" imgH="3677163" progId="Paint.Picture">
                   <p:embed/>
                 </p:oleObj>
               </mc:Choice>
@@ -7072,7 +7060,7 @@
           <a:graphicData uri="http://schemas.openxmlformats.org/presentationml/2006/ole">
             <mc:AlternateContent xmlns:mc="http://schemas.openxmlformats.org/markup-compatibility/2006">
               <mc:Choice xmlns:v="urn:schemas-microsoft-com:vml" Requires="v">
-                <p:oleObj spid="_x0000_s46107" name="Bitmap Image" r:id="rId4" imgW="8952381" imgH="4086795" progId="Paint.Picture">
+                <p:oleObj spid="_x0000_s46109" name="Bitmap Image" r:id="rId4" imgW="8952381" imgH="4086795" progId="Paint.Picture">
                   <p:embed/>
                 </p:oleObj>
               </mc:Choice>
@@ -7786,11 +7774,7 @@
           <a:p>
             <a:r>
               <a:rPr lang="en-US" dirty="0" smtClean="0"/>
-              <a:t>SOAP </a:t>
-            </a:r>
-            <a:r>
-              <a:rPr lang="en-US" dirty="0" smtClean="0"/>
-              <a:t>examples</a:t>
+              <a:t>SOAP examples</a:t>
             </a:r>
           </a:p>
           <a:p>
@@ -7883,7 +7867,7 @@
           <a:graphicData uri="http://schemas.openxmlformats.org/presentationml/2006/ole">
             <mc:AlternateContent xmlns:mc="http://schemas.openxmlformats.org/markup-compatibility/2006">
               <mc:Choice xmlns:v="urn:schemas-microsoft-com:vml" Requires="v">
-                <p:oleObj spid="_x0000_s54299" name="Bitmap Image" r:id="rId4" imgW="7466667" imgH="2991268" progId="Paint.Picture">
+                <p:oleObj spid="_x0000_s54301" name="Bitmap Image" r:id="rId4" imgW="7466667" imgH="2991268" progId="Paint.Picture">
                   <p:embed/>
                 </p:oleObj>
               </mc:Choice>
@@ -10055,7 +10039,7 @@
           <a:graphicData uri="http://schemas.openxmlformats.org/presentationml/2006/ole">
             <mc:AlternateContent xmlns:mc="http://schemas.openxmlformats.org/markup-compatibility/2006">
               <mc:Choice xmlns:v="urn:schemas-microsoft-com:vml" Requires="v">
-                <p:oleObj spid="_x0000_s1087" name="Bitmap Image" r:id="rId8" imgW="980952" imgH="542857" progId="Paint.Picture">
+                <p:oleObj spid="_x0000_s1091" name="Bitmap Image" r:id="rId8" imgW="980952" imgH="542857" progId="Paint.Picture">
                   <p:embed/>
                 </p:oleObj>
               </mc:Choice>
@@ -10348,7 +10332,7 @@
           <a:graphicData uri="http://schemas.openxmlformats.org/presentationml/2006/ole">
             <mc:AlternateContent xmlns:mc="http://schemas.openxmlformats.org/markup-compatibility/2006">
               <mc:Choice xmlns:v="urn:schemas-microsoft-com:vml" Requires="v">
-                <p:oleObj spid="_x0000_s1088" name="Bitmap Image" r:id="rId13" imgW="885949" imgH="380852" progId="Paint.Picture">
+                <p:oleObj spid="_x0000_s1092" name="Bitmap Image" r:id="rId13" imgW="885949" imgH="380852" progId="Paint.Picture">
                   <p:embed/>
                 </p:oleObj>
               </mc:Choice>
@@ -10515,7 +10499,7 @@
           <a:graphicData uri="http://schemas.openxmlformats.org/presentationml/2006/ole">
             <mc:AlternateContent xmlns:mc="http://schemas.openxmlformats.org/markup-compatibility/2006">
               <mc:Choice xmlns:v="urn:schemas-microsoft-com:vml" Requires="v">
-                <p:oleObj spid="_x0000_s1089" name="Bitmap Image" r:id="rId16" imgW="25400" imgH="25400" progId="Paint.Picture">
+                <p:oleObj spid="_x0000_s1093" name="Bitmap Image" r:id="rId16" imgW="25400" imgH="25400" progId="Paint.Picture">
                   <p:embed/>
                 </p:oleObj>
               </mc:Choice>

--- a/presentation-source/02-soap-wsdl.pptx
+++ b/presentation-source/02-soap-wsdl.pptx
@@ -222,7 +222,7 @@
             <a:fld id="{7307762F-A706-E543-A832-3C298AA3103F}" type="datetimeFigureOut">
               <a:rPr lang="en-US" smtClean="0"/>
               <a:pPr/>
-              <a:t>07/05/17</a:t>
+              <a:t>18/12/17</a:t>
             </a:fld>
             <a:endParaRPr lang="en-US" dirty="0"/>
           </a:p>
@@ -3181,7 +3181,7 @@
           <a:p>
             <a:fld id="{875CF0EB-321F-0749-B37A-89BBA859503C}" type="datetimeFigureOut">
               <a:rPr lang="en-US" smtClean="0"/>
-              <a:t>07/05/17</a:t>
+              <a:t>18/12/17</a:t>
             </a:fld>
             <a:endParaRPr lang="en-US"/>
           </a:p>
@@ -3385,7 +3385,7 @@
           <a:p>
             <a:fld id="{875CF0EB-321F-0749-B37A-89BBA859503C}" type="datetimeFigureOut">
               <a:rPr lang="en-US" smtClean="0"/>
-              <a:t>07/05/17</a:t>
+              <a:t>18/12/17</a:t>
             </a:fld>
             <a:endParaRPr lang="en-US"/>
           </a:p>
@@ -3579,7 +3579,7 @@
           <a:p>
             <a:fld id="{875CF0EB-321F-0749-B37A-89BBA859503C}" type="datetimeFigureOut">
               <a:rPr lang="en-US" smtClean="0"/>
-              <a:t>07/05/17</a:t>
+              <a:t>18/12/17</a:t>
             </a:fld>
             <a:endParaRPr lang="en-US"/>
           </a:p>
@@ -3849,7 +3849,7 @@
           <a:p>
             <a:fld id="{875CF0EB-321F-0749-B37A-89BBA859503C}" type="datetimeFigureOut">
               <a:rPr lang="en-US" smtClean="0"/>
-              <a:t>07/05/17</a:t>
+              <a:t>18/12/17</a:t>
             </a:fld>
             <a:endParaRPr lang="en-US"/>
           </a:p>
@@ -4161,7 +4161,7 @@
           <a:p>
             <a:fld id="{875CF0EB-321F-0749-B37A-89BBA859503C}" type="datetimeFigureOut">
               <a:rPr lang="en-US" smtClean="0"/>
-              <a:t>07/05/17</a:t>
+              <a:t>18/12/17</a:t>
             </a:fld>
             <a:endParaRPr lang="en-US"/>
           </a:p>
@@ -4607,7 +4607,7 @@
           <a:p>
             <a:fld id="{875CF0EB-321F-0749-B37A-89BBA859503C}" type="datetimeFigureOut">
               <a:rPr lang="en-US" smtClean="0"/>
-              <a:t>07/05/17</a:t>
+              <a:t>18/12/17</a:t>
             </a:fld>
             <a:endParaRPr lang="en-US"/>
           </a:p>
@@ -4749,7 +4749,7 @@
           <a:p>
             <a:fld id="{875CF0EB-321F-0749-B37A-89BBA859503C}" type="datetimeFigureOut">
               <a:rPr lang="en-US" smtClean="0"/>
-              <a:t>07/05/17</a:t>
+              <a:t>18/12/17</a:t>
             </a:fld>
             <a:endParaRPr lang="en-US"/>
           </a:p>
@@ -4868,7 +4868,7 @@
           <a:p>
             <a:fld id="{875CF0EB-321F-0749-B37A-89BBA859503C}" type="datetimeFigureOut">
               <a:rPr lang="en-US" smtClean="0"/>
-              <a:t>07/05/17</a:t>
+              <a:t>18/12/17</a:t>
             </a:fld>
             <a:endParaRPr lang="en-US"/>
           </a:p>
@@ -5169,7 +5169,7 @@
           <a:p>
             <a:fld id="{875CF0EB-321F-0749-B37A-89BBA859503C}" type="datetimeFigureOut">
               <a:rPr lang="en-US" smtClean="0"/>
-              <a:t>07/05/17</a:t>
+              <a:t>18/12/17</a:t>
             </a:fld>
             <a:endParaRPr lang="en-US"/>
           </a:p>
@@ -5446,7 +5446,7 @@
           <a:p>
             <a:fld id="{875CF0EB-321F-0749-B37A-89BBA859503C}" type="datetimeFigureOut">
               <a:rPr lang="en-US" smtClean="0"/>
-              <a:t>07/05/17</a:t>
+              <a:t>18/12/17</a:t>
             </a:fld>
             <a:endParaRPr lang="en-US"/>
           </a:p>
@@ -6268,7 +6268,7 @@
                 <a:ea typeface="ヒラギノ角ゴ ProN W3" charset="0"/>
                 <a:cs typeface="ヒラギノ角ゴ ProN W3" charset="0"/>
               </a:rPr>
-              <a:t>May 2017</a:t>
+              <a:t>January 2018</a:t>
             </a:r>
             <a:endParaRPr lang="en-US" dirty="0">
               <a:ea typeface="ヒラギノ角ゴ ProN W3" charset="0"/>
@@ -6939,7 +6939,7 @@
           <a:graphicData uri="http://schemas.openxmlformats.org/presentationml/2006/ole">
             <mc:AlternateContent xmlns:mc="http://schemas.openxmlformats.org/markup-compatibility/2006">
               <mc:Choice xmlns:v="urn:schemas-microsoft-com:vml" Requires="v">
-                <p:oleObj spid="_x0000_s44061" name="Bitmap Image" r:id="rId4" imgW="7954485" imgH="3677163" progId="Paint.Picture">
+                <p:oleObj spid="_x0000_s44065" name="Bitmap Image" r:id="rId4" imgW="7954485" imgH="3677163" progId="Paint.Picture">
                   <p:embed/>
                 </p:oleObj>
               </mc:Choice>
@@ -7060,7 +7060,7 @@
           <a:graphicData uri="http://schemas.openxmlformats.org/presentationml/2006/ole">
             <mc:AlternateContent xmlns:mc="http://schemas.openxmlformats.org/markup-compatibility/2006">
               <mc:Choice xmlns:v="urn:schemas-microsoft-com:vml" Requires="v">
-                <p:oleObj spid="_x0000_s46109" name="Bitmap Image" r:id="rId4" imgW="8952381" imgH="4086795" progId="Paint.Picture">
+                <p:oleObj spid="_x0000_s46113" name="Bitmap Image" r:id="rId4" imgW="8952381" imgH="4086795" progId="Paint.Picture">
                   <p:embed/>
                 </p:oleObj>
               </mc:Choice>
@@ -7867,7 +7867,7 @@
           <a:graphicData uri="http://schemas.openxmlformats.org/presentationml/2006/ole">
             <mc:AlternateContent xmlns:mc="http://schemas.openxmlformats.org/markup-compatibility/2006">
               <mc:Choice xmlns:v="urn:schemas-microsoft-com:vml" Requires="v">
-                <p:oleObj spid="_x0000_s54301" name="Bitmap Image" r:id="rId4" imgW="7466667" imgH="2991268" progId="Paint.Picture">
+                <p:oleObj spid="_x0000_s54305" name="Bitmap Image" r:id="rId4" imgW="7466667" imgH="2991268" progId="Paint.Picture">
                   <p:embed/>
                 </p:oleObj>
               </mc:Choice>
@@ -10039,7 +10039,7 @@
           <a:graphicData uri="http://schemas.openxmlformats.org/presentationml/2006/ole">
             <mc:AlternateContent xmlns:mc="http://schemas.openxmlformats.org/markup-compatibility/2006">
               <mc:Choice xmlns:v="urn:schemas-microsoft-com:vml" Requires="v">
-                <p:oleObj spid="_x0000_s1091" name="Bitmap Image" r:id="rId8" imgW="980952" imgH="542857" progId="Paint.Picture">
+                <p:oleObj spid="_x0000_s1099" name="Bitmap Image" r:id="rId8" imgW="980952" imgH="542857" progId="Paint.Picture">
                   <p:embed/>
                 </p:oleObj>
               </mc:Choice>
@@ -10332,7 +10332,7 @@
           <a:graphicData uri="http://schemas.openxmlformats.org/presentationml/2006/ole">
             <mc:AlternateContent xmlns:mc="http://schemas.openxmlformats.org/markup-compatibility/2006">
               <mc:Choice xmlns:v="urn:schemas-microsoft-com:vml" Requires="v">
-                <p:oleObj spid="_x0000_s1092" name="Bitmap Image" r:id="rId13" imgW="885949" imgH="380852" progId="Paint.Picture">
+                <p:oleObj spid="_x0000_s1100" name="Bitmap Image" r:id="rId13" imgW="885949" imgH="380852" progId="Paint.Picture">
                   <p:embed/>
                 </p:oleObj>
               </mc:Choice>
@@ -10499,7 +10499,7 @@
           <a:graphicData uri="http://schemas.openxmlformats.org/presentationml/2006/ole">
             <mc:AlternateContent xmlns:mc="http://schemas.openxmlformats.org/markup-compatibility/2006">
               <mc:Choice xmlns:v="urn:schemas-microsoft-com:vml" Requires="v">
-                <p:oleObj spid="_x0000_s1093" name="Bitmap Image" r:id="rId16" imgW="25400" imgH="25400" progId="Paint.Picture">
+                <p:oleObj spid="_x0000_s1101" name="Bitmap Image" r:id="rId16" imgW="25400" imgH="25400" progId="Paint.Picture">
                   <p:embed/>
                 </p:oleObj>
               </mc:Choice>
